--- a/Project Design&Planning/Ideation Phase/Literature Survey SAKTHIVEL J.pptx
+++ b/Project Design&Planning/Ideation Phase/Literature Survey SAKTHIVEL J.pptx
@@ -6183,11 +6183,15 @@
             </a:r>
             <a:r>
               <a:rPr lang="en-US" altLang="en-IN" dirty="0"/>
-              <a:t> : </a:t>
-            </a:r>
-            <a:r>
-              <a:rPr lang="en-US" altLang="en-IN" dirty="0" smtClean="0"/>
-              <a:t>PNT2022TMID</a:t>
+              <a:t> </a:t>
+            </a:r>
+            <a:r>
+              <a:rPr lang="en-US" altLang="en-IN"/>
+              <a:t>: </a:t>
+            </a:r>
+            <a:r>
+              <a:rPr lang="en-US" altLang="en-IN" smtClean="0"/>
+              <a:t>PNT2022TMID40029</a:t>
             </a:r>
             <a:endParaRPr lang="en-IN" dirty="0"/>
           </a:p>
@@ -6203,11 +6207,7 @@
             </a:r>
             <a:r>
               <a:rPr lang="en-US" altLang="en-IN" dirty="0" smtClean="0"/>
-              <a:t>P.T.LEE </a:t>
-            </a:r>
-            <a:r>
-              <a:rPr lang="en-US" altLang="en-IN" dirty="0" smtClean="0"/>
-              <a:t>CNCET COLLEGE</a:t>
+              <a:t>P.T.LEE CNCET COLLEGE</a:t>
             </a:r>
             <a:endParaRPr lang="en-IN" dirty="0"/>
           </a:p>
@@ -6239,11 +6239,7 @@
             </a:r>
             <a:r>
               <a:rPr lang="en-US" altLang="en-IN" dirty="0" smtClean="0"/>
-              <a:t>SAKTHIVEL .J</a:t>
-            </a:r>
-            <a:r>
-              <a:rPr lang="en-US" altLang="en-IN" dirty="0" smtClean="0"/>
-              <a:t>(TEAM </a:t>
+              <a:t>SAKTHIVEL .J(TEAM </a:t>
             </a:r>
             <a:r>
               <a:rPr lang="en-US" altLang="en-IN" dirty="0"/>
